--- a/L01P03 - Project - Lenspomp/Smart gedeelte Lenspomp/L01P03 - Week 01A - Nog even project.pptx
+++ b/L01P03 - Project - Lenspomp/Smart gedeelte Lenspomp/L01P03 - Week 01A - Nog even project.pptx
@@ -1207,7 +1207,7 @@
           <a:p>
             <a:fld id="{25ED37B6-3D2B-42F6-B75F-7E9C925A2B78}" type="datetimeFigureOut">
               <a:rPr lang="nl-NL" smtClean="0"/>
-              <a:t>05-02-2024</a:t>
+              <a:t>13-03-2024</a:t>
             </a:fld>
             <a:endParaRPr lang="nl-NL"/>
           </a:p>
@@ -1372,7 +1372,7 @@
           <a:p>
             <a:fld id="{67D95C54-6F9B-4C49-BF56-4D62B2D71ED9}" type="datetimeFigureOut">
               <a:rPr lang="nl-NL" smtClean="0"/>
-              <a:t>05-02-2024</a:t>
+              <a:t>13-03-2024</a:t>
             </a:fld>
             <a:endParaRPr lang="nl-NL"/>
           </a:p>
@@ -5782,10 +5782,9 @@
           <a:lstStyle/>
           <a:p>
             <a:r>
-              <a:rPr lang="en-US" dirty="0" err="1"/>
+              <a:rPr lang="nl-NL" dirty="0"/>
               <a:t>Benodigdheden</a:t>
             </a:r>
-            <a:endParaRPr lang="en-US" dirty="0"/>
           </a:p>
         </p:txBody>
       </p:sp>
@@ -5824,7 +5823,7 @@
           <a:p>
             <a:r>
               <a:rPr lang="nl-NL" dirty="0"/>
-              <a:t>10K Ohm weerstand</a:t>
+              <a:t>10K Ohm weerstand (met reset knop)</a:t>
             </a:r>
           </a:p>
           <a:p>
@@ -5856,12 +5855,8 @@
           </a:p>
           <a:p>
             <a:r>
-              <a:rPr lang="nl-NL" dirty="0" err="1"/>
-              <a:t>Capasitieve</a:t>
-            </a:r>
-            <a:r>
-              <a:rPr lang="nl-NL" dirty="0"/>
-              <a:t> nabijheidssensor</a:t>
+              <a:rPr lang="nl-NL" dirty="0"/>
+              <a:t>Capacitieve nabijheidssensor</a:t>
             </a:r>
           </a:p>
           <a:p>
@@ -6645,36 +6640,6 @@
           </a:p>
         </p:txBody>
       </p:sp>
-      <p:sp>
-        <p:nvSpPr>
-          <p:cNvPr id="3" name="Content Placeholder 2">
-            <a:extLst>
-              <a:ext uri="{FF2B5EF4-FFF2-40B4-BE49-F238E27FC236}">
-                <a16:creationId xmlns:a16="http://schemas.microsoft.com/office/drawing/2014/main" id="{A1C00DD3-3991-DC1E-4F84-2CD189A259FE}"/>
-              </a:ext>
-            </a:extLst>
-          </p:cNvPr>
-          <p:cNvSpPr>
-            <a:spLocks noGrp="1"/>
-          </p:cNvSpPr>
-          <p:nvPr>
-            <p:ph sz="half" idx="2"/>
-          </p:nvPr>
-        </p:nvSpPr>
-        <p:spPr>
-          <a:xfrm>
-            <a:off x="5509846" y="1690688"/>
-            <a:ext cx="5844554" cy="4486912"/>
-          </a:xfrm>
-        </p:spPr>
-        <p:txBody>
-          <a:bodyPr/>
-          <a:lstStyle/>
-          <a:p>
-            <a:endParaRPr lang="en-US" dirty="0"/>
-          </a:p>
-        </p:txBody>
-      </p:sp>
       <p:pic>
         <p:nvPicPr>
           <p:cNvPr id="1026" name="Picture 2" descr="123-3D Inductieve afstandssensor M12 4 mm LJ12A3-4-Z/BX  DEL00006 - 1">
@@ -7220,70 +7185,17 @@
           <a:lstStyle/>
           <a:p>
             <a:r>
-              <a:rPr lang="en-US" sz="3200" dirty="0"/>
-              <a:t>Knop </a:t>
-            </a:r>
-            <a:r>
-              <a:rPr lang="en-US" sz="3200" dirty="0" err="1"/>
-              <a:t>neetzetten</a:t>
-            </a:r>
-            <a:r>
-              <a:rPr lang="en-US" sz="3200" dirty="0"/>
-              <a:t>, </a:t>
-            </a:r>
-            <a:r>
-              <a:rPr lang="en-US" sz="3200" dirty="0" err="1"/>
-              <a:t>en</a:t>
-            </a:r>
-            <a:r>
-              <a:rPr lang="en-US" sz="3200" dirty="0"/>
-              <a:t> code </a:t>
-            </a:r>
-            <a:r>
-              <a:rPr lang="en-US" sz="3200" dirty="0" err="1"/>
-              <a:t>maken</a:t>
-            </a:r>
-            <a:r>
-              <a:rPr lang="en-US" sz="3200" dirty="0"/>
-              <a:t> die </a:t>
-            </a:r>
-            <a:r>
-              <a:rPr lang="en-US" sz="3200" dirty="0" err="1"/>
+              <a:rPr lang="nl-NL" sz="3200" dirty="0"/>
+              <a:t>Knop neerzetten, en code maken die </a:t>
+            </a:r>
+            <a:r>
+              <a:rPr lang="nl-NL" sz="3200" dirty="0" err="1"/>
               <a:t>reageerd</a:t>
             </a:r>
             <a:r>
-              <a:rPr lang="en-US" sz="3200" dirty="0"/>
-              <a:t> op knop. </a:t>
-            </a:r>
-            <a:r>
-              <a:rPr lang="en-US" sz="3200" dirty="0" err="1"/>
-              <a:t>Nabijhgeidssensor</a:t>
-            </a:r>
-            <a:r>
-              <a:rPr lang="en-US" sz="3200" dirty="0"/>
-              <a:t> is </a:t>
-            </a:r>
-            <a:r>
-              <a:rPr lang="en-US" sz="3200" dirty="0" err="1"/>
-              <a:t>hetzelfde</a:t>
-            </a:r>
-            <a:r>
-              <a:rPr lang="en-US" sz="3200" dirty="0"/>
-              <a:t> </a:t>
-            </a:r>
-            <a:r>
-              <a:rPr lang="en-US" sz="3200" dirty="0" err="1"/>
-              <a:t>als</a:t>
-            </a:r>
-            <a:r>
-              <a:rPr lang="en-US" sz="3200" dirty="0"/>
-              <a:t> knop </a:t>
-            </a:r>
-            <a:r>
-              <a:rPr lang="en-US" sz="3200" dirty="0" err="1"/>
-              <a:t>indrukken</a:t>
-            </a:r>
-            <a:endParaRPr lang="en-US" sz="3200" dirty="0"/>
+              <a:rPr lang="nl-NL" sz="3200" dirty="0"/>
+              <a:t> op knop. Nabijheidssensor is hetzelfde als knop indrukken</a:t>
+            </a:r>
           </a:p>
         </p:txBody>
       </p:sp>
@@ -8413,15 +8325,6 @@
 </file>
 
 <file path=customXml/item1.xml><?xml version="1.0" encoding="utf-8"?>
-<?mso-contentType ?>
-<FormTemplates xmlns="http://schemas.microsoft.com/sharepoint/v3/contenttype/forms">
-  <Display>DocumentLibraryForm</Display>
-  <Edit>DocumentLibraryForm</Edit>
-  <New>DocumentLibraryForm</New>
-</FormTemplates>
-</file>
-
-<file path=customXml/item2.xml><?xml version="1.0" encoding="utf-8"?>
 <ct:contentTypeSchema xmlns:ct="http://schemas.microsoft.com/office/2006/metadata/contentType" xmlns:ma="http://schemas.microsoft.com/office/2006/metadata/properties/metaAttributes" ct:_="" ma:_="" ma:contentTypeName="Document" ma:contentTypeID="0x0101004EE29C275B0330428D2BFA2C8D576F4B" ma:contentTypeVersion="0" ma:contentTypeDescription="Een nieuw document maken." ma:contentTypeScope="" ma:versionID="6f3e0ea117c09d99e40ae3b100a299dc">
   <xsd:schema xmlns:xsd="http://www.w3.org/2001/XMLSchema" xmlns:xs="http://www.w3.org/2001/XMLSchema" xmlns:p="http://schemas.microsoft.com/office/2006/metadata/properties" targetNamespace="http://schemas.microsoft.com/office/2006/metadata/properties" ma:root="true" ma:fieldsID="1978a156f712f99d6452530788f7ffe9">
     <xsd:element name="properties">
@@ -8535,6 +8438,15 @@
 </ct:contentTypeSchema>
 </file>
 
+<file path=customXml/item2.xml><?xml version="1.0" encoding="utf-8"?>
+<?mso-contentType ?>
+<FormTemplates xmlns="http://schemas.microsoft.com/sharepoint/v3/contenttype/forms">
+  <Display>DocumentLibraryForm</Display>
+  <Edit>DocumentLibraryForm</Edit>
+  <New>DocumentLibraryForm</New>
+</FormTemplates>
+</file>
+
 <file path=customXml/item3.xml><?xml version="1.0" encoding="utf-8"?>
 <p:properties xmlns:p="http://schemas.microsoft.com/office/2006/metadata/properties" xmlns:xsi="http://www.w3.org/2001/XMLSchema-instance" xmlns:pc="http://schemas.microsoft.com/office/infopath/2007/PartnerControls">
   <documentManagement/>
@@ -8542,14 +8454,6 @@
 </file>
 
 <file path=customXml/itemProps1.xml><?xml version="1.0" encoding="utf-8"?>
-<ds:datastoreItem xmlns:ds="http://schemas.openxmlformats.org/officeDocument/2006/customXml" ds:itemID="{C58370CC-8AF3-4E85-911D-3C7AD1FAAE10}">
-  <ds:schemaRefs>
-    <ds:schemaRef ds:uri="http://schemas.microsoft.com/sharepoint/v3/contenttype/forms"/>
-  </ds:schemaRefs>
-</ds:datastoreItem>
-</file>
-
-<file path=customXml/itemProps2.xml><?xml version="1.0" encoding="utf-8"?>
 <ds:datastoreItem xmlns:ds="http://schemas.openxmlformats.org/officeDocument/2006/customXml" ds:itemID="{7C812B3D-632E-45B1-BE3D-5F5FC6F96A1A}">
   <ds:schemaRefs>
     <ds:schemaRef ds:uri="http://schemas.microsoft.com/office/2006/metadata/contentType"/>
@@ -8561,6 +8465,14 @@
     <ds:schemaRef ds:uri="http://purl.org/dc/terms/"/>
     <ds:schemaRef ds:uri="http://schemas.microsoft.com/internal/obd"/>
     <ds:schemaRef ds:uri="http://schemas.microsoft.com/office/infopath/2007/PartnerControls"/>
+  </ds:schemaRefs>
+</ds:datastoreItem>
+</file>
+
+<file path=customXml/itemProps2.xml><?xml version="1.0" encoding="utf-8"?>
+<ds:datastoreItem xmlns:ds="http://schemas.openxmlformats.org/officeDocument/2006/customXml" ds:itemID="{C58370CC-8AF3-4E85-911D-3C7AD1FAAE10}">
+  <ds:schemaRefs>
+    <ds:schemaRef ds:uri="http://schemas.microsoft.com/sharepoint/v3/contenttype/forms"/>
   </ds:schemaRefs>
 </ds:datastoreItem>
 </file>
